--- a/templates/2024_09 Positive_AI_Flyer membres-template-fr.pptx
+++ b/templates/2024_09 Positive_AI_Flyer membres-template-fr.pptx
@@ -3569,10 +3569,10 @@
       </p:sp>
       <p:sp>
         <p:nvSpPr>
-          <p:cNvPr id="3" name="Content Placeholder 2">
+          <p:cNvPr id="5" name="Picture Placeholder 4">
             <a:extLst>
               <a:ext uri="{FF2B5EF4-FFF2-40B4-BE49-F238E27FC236}">
-                <a16:creationId xmlns:a16="http://schemas.microsoft.com/office/drawing/2014/main" id="{D29EED2E-0899-97E3-9968-B185AE580B2F}"/>
+                <a16:creationId xmlns:a16="http://schemas.microsoft.com/office/drawing/2014/main" id="{40FC97A6-D7C5-1BFA-ABF4-73E2D4415FD7}"/>
               </a:ext>
             </a:extLst>
           </p:cNvPr>
@@ -3580,73 +3580,20 @@
             <a:spLocks noGrp="1"/>
           </p:cNvSpPr>
           <p:nvPr>
-            <p:ph sz="quarter" idx="13"/>
+            <p:ph type="pic" sz="quarter" idx="13"/>
           </p:nvPr>
         </p:nvSpPr>
         <p:spPr>
           <a:xfrm>
-            <a:off x="896938" y="7565112"/>
-            <a:ext cx="2493962" cy="587375"/>
+            <a:off x="896938" y="7451765"/>
+            <a:ext cx="2493962" cy="847644"/>
           </a:xfrm>
         </p:spPr>
         <p:txBody>
           <a:bodyPr/>
-          <a:lstStyle>
-            <a:lvl1pPr marL="114300" indent="0">
-              <a:buNone/>
-              <a:defRPr/>
-            </a:lvl1pPr>
-            <a:lvl2pPr marL="596900" indent="0">
-              <a:buNone/>
-              <a:defRPr/>
-            </a:lvl2pPr>
-            <a:lvl3pPr marL="1054100" indent="0">
-              <a:buNone/>
-              <a:defRPr/>
-            </a:lvl3pPr>
-            <a:lvl4pPr marL="1511300" indent="0">
-              <a:buNone/>
-              <a:defRPr/>
-            </a:lvl4pPr>
-            <a:lvl5pPr marL="1968500" indent="0">
-              <a:buNone/>
-              <a:defRPr/>
-            </a:lvl5pPr>
-          </a:lstStyle>
+          <a:lstStyle/>
           <a:p>
-            <a:pPr lvl="0"/>
-            <a:r>
-              <a:rPr lang="en-GB"/>
-              <a:t>Click to edit Master text styles</a:t>
-            </a:r>
-          </a:p>
-          <a:p>
-            <a:pPr lvl="1"/>
-            <a:r>
-              <a:rPr lang="en-GB"/>
-              <a:t>Second level</a:t>
-            </a:r>
-          </a:p>
-          <a:p>
-            <a:pPr lvl="2"/>
-            <a:r>
-              <a:rPr lang="en-GB"/>
-              <a:t>Third level</a:t>
-            </a:r>
-          </a:p>
-          <a:p>
-            <a:pPr lvl="3"/>
-            <a:r>
-              <a:rPr lang="en-GB"/>
-              <a:t>Fourth level</a:t>
-            </a:r>
-          </a:p>
-          <a:p>
-            <a:pPr lvl="4"/>
-            <a:r>
-              <a:rPr lang="en-GB"/>
-              <a:t>Fifth level</a:t>
-            </a:r>
+            <a:endParaRPr lang="en-GB"/>
           </a:p>
         </p:txBody>
       </p:sp>
@@ -11741,26 +11688,6 @@
 </file>
 
 <file path=customXml/item1.xml><?xml version="1.0" encoding="utf-8"?>
-<p:properties xmlns:p="http://schemas.microsoft.com/office/2006/metadata/properties" xmlns:xsi="http://www.w3.org/2001/XMLSchema-instance" xmlns:pc="http://schemas.microsoft.com/office/infopath/2007/PartnerControls">
-  <documentManagement>
-    <lcf76f155ced4ddcb4097134ff3c332f xmlns="0f937a4f-4629-4d26-8d71-4343fa9fa6b0">
-      <Terms xmlns="http://schemas.microsoft.com/office/infopath/2007/PartnerControls"/>
-    </lcf76f155ced4ddcb4097134ff3c332f>
-    <TaxCatchAll xmlns="a7e03b19-6c30-4af5-9dfc-5af07ce1db2d" xsi:nil="true"/>
-  </documentManagement>
-</p:properties>
-</file>
-
-<file path=customXml/item2.xml><?xml version="1.0" encoding="utf-8"?>
-<?mso-contentType ?>
-<FormTemplates xmlns="http://schemas.microsoft.com/sharepoint/v3/contenttype/forms">
-  <Display>DocumentLibraryForm</Display>
-  <Edit>DocumentLibraryForm</Edit>
-  <New>DocumentLibraryForm</New>
-</FormTemplates>
-</file>
-
-<file path=customXml/item3.xml><?xml version="1.0" encoding="utf-8"?>
 <ct:contentTypeSchema xmlns:ct="http://schemas.microsoft.com/office/2006/metadata/contentType" xmlns:ma="http://schemas.microsoft.com/office/2006/metadata/properties/metaAttributes" ct:_="" ma:_="" ma:contentTypeName="Document" ma:contentTypeID="0x010100490BF6B51F63EE41A96DA163641716A5" ma:contentTypeVersion="11" ma:contentTypeDescription="Create a new document." ma:contentTypeScope="" ma:versionID="bf21e8edb6cae8a621d1e5b82fdced7d">
   <xsd:schema xmlns:xsd="http://www.w3.org/2001/XMLSchema" xmlns:xs="http://www.w3.org/2001/XMLSchema" xmlns:p="http://schemas.microsoft.com/office/2006/metadata/properties" xmlns:ns2="0f937a4f-4629-4d26-8d71-4343fa9fa6b0" xmlns:ns3="a7e03b19-6c30-4af5-9dfc-5af07ce1db2d" targetNamespace="http://schemas.microsoft.com/office/2006/metadata/properties" ma:root="true" ma:fieldsID="b1bb2631e5b9daedf0aa34ce2a3a469c" ns2:_="" ns3:_="">
     <xsd:import namespace="0f937a4f-4629-4d26-8d71-4343fa9fa6b0"/>
@@ -11955,32 +11882,27 @@
 </ct:contentTypeSchema>
 </file>
 
-<file path=customXml/itemProps1.xml><?xml version="1.0" encoding="utf-8"?>
-<ds:datastoreItem xmlns:ds="http://schemas.openxmlformats.org/officeDocument/2006/customXml" ds:itemID="{D1DC5BCB-6B76-4E64-8D36-A6CC3C4D3FED}">
-  <ds:schemaRefs>
-    <ds:schemaRef ds:uri="http://purl.org/dc/elements/1.1/"/>
-    <ds:schemaRef ds:uri="a7e03b19-6c30-4af5-9dfc-5af07ce1db2d"/>
-    <ds:schemaRef ds:uri="0f937a4f-4629-4d26-8d71-4343fa9fa6b0"/>
-    <ds:schemaRef ds:uri="http://schemas.microsoft.com/office/infopath/2007/PartnerControls"/>
-    <ds:schemaRef ds:uri="http://schemas.openxmlformats.org/package/2006/metadata/core-properties"/>
-    <ds:schemaRef ds:uri="http://schemas.microsoft.com/office/2006/metadata/properties"/>
-    <ds:schemaRef ds:uri="http://schemas.microsoft.com/office/2006/documentManagement/types"/>
-    <ds:schemaRef ds:uri="http://www.w3.org/XML/1998/namespace"/>
-    <ds:schemaRef ds:uri="http://purl.org/dc/dcmitype/"/>
-    <ds:schemaRef ds:uri="http://purl.org/dc/terms/"/>
-  </ds:schemaRefs>
-</ds:datastoreItem>
+<file path=customXml/item2.xml><?xml version="1.0" encoding="utf-8"?>
+<?mso-contentType ?>
+<FormTemplates xmlns="http://schemas.microsoft.com/sharepoint/v3/contenttype/forms">
+  <Display>DocumentLibraryForm</Display>
+  <Edit>DocumentLibraryForm</Edit>
+  <New>DocumentLibraryForm</New>
+</FormTemplates>
 </file>
 
-<file path=customXml/itemProps2.xml><?xml version="1.0" encoding="utf-8"?>
-<ds:datastoreItem xmlns:ds="http://schemas.openxmlformats.org/officeDocument/2006/customXml" ds:itemID="{0F0CA528-080E-49BC-8559-0E3AC46C0A52}">
-  <ds:schemaRefs>
-    <ds:schemaRef ds:uri="http://schemas.microsoft.com/sharepoint/v3/contenttype/forms"/>
-  </ds:schemaRefs>
-</ds:datastoreItem>
+<file path=customXml/item3.xml><?xml version="1.0" encoding="utf-8"?>
+<p:properties xmlns:p="http://schemas.microsoft.com/office/2006/metadata/properties" xmlns:xsi="http://www.w3.org/2001/XMLSchema-instance" xmlns:pc="http://schemas.microsoft.com/office/infopath/2007/PartnerControls">
+  <documentManagement>
+    <lcf76f155ced4ddcb4097134ff3c332f xmlns="0f937a4f-4629-4d26-8d71-4343fa9fa6b0">
+      <Terms xmlns="http://schemas.microsoft.com/office/infopath/2007/PartnerControls"/>
+    </lcf76f155ced4ddcb4097134ff3c332f>
+    <TaxCatchAll xmlns="a7e03b19-6c30-4af5-9dfc-5af07ce1db2d" xsi:nil="true"/>
+  </documentManagement>
+</p:properties>
 </file>
 
-<file path=customXml/itemProps3.xml><?xml version="1.0" encoding="utf-8"?>
+<file path=customXml/itemProps1.xml><?xml version="1.0" encoding="utf-8"?>
 <ds:datastoreItem xmlns:ds="http://schemas.openxmlformats.org/officeDocument/2006/customXml" ds:itemID="{65832286-21E7-4186-BDE0-13E328A998BD}">
   <ds:schemaRefs>
     <ds:schemaRef ds:uri="http://schemas.microsoft.com/office/2006/metadata/contentType"/>
@@ -11997,4 +11919,29 @@
     <ds:schemaRef ds:uri="http://schemas.microsoft.com/internal/obd"/>
   </ds:schemaRefs>
 </ds:datastoreItem>
+</file>
+
+<file path=customXml/itemProps2.xml><?xml version="1.0" encoding="utf-8"?>
+<ds:datastoreItem xmlns:ds="http://schemas.openxmlformats.org/officeDocument/2006/customXml" ds:itemID="{0F0CA528-080E-49BC-8559-0E3AC46C0A52}">
+  <ds:schemaRefs>
+    <ds:schemaRef ds:uri="http://schemas.microsoft.com/sharepoint/v3/contenttype/forms"/>
+  </ds:schemaRefs>
+</ds:datastoreItem>
+</file>
+
+<file path=customXml/itemProps3.xml><?xml version="1.0" encoding="utf-8"?>
+<ds:datastoreItem xmlns:ds="http://schemas.openxmlformats.org/officeDocument/2006/customXml" ds:itemID="{D1DC5BCB-6B76-4E64-8D36-A6CC3C4D3FED}">
+  <ds:schemaRefs>
+    <ds:schemaRef ds:uri="http://purl.org/dc/elements/1.1/"/>
+    <ds:schemaRef ds:uri="a7e03b19-6c30-4af5-9dfc-5af07ce1db2d"/>
+    <ds:schemaRef ds:uri="0f937a4f-4629-4d26-8d71-4343fa9fa6b0"/>
+    <ds:schemaRef ds:uri="http://schemas.microsoft.com/office/infopath/2007/PartnerControls"/>
+    <ds:schemaRef ds:uri="http://schemas.openxmlformats.org/package/2006/metadata/core-properties"/>
+    <ds:schemaRef ds:uri="http://schemas.microsoft.com/office/2006/metadata/properties"/>
+    <ds:schemaRef ds:uri="http://schemas.microsoft.com/office/2006/documentManagement/types"/>
+    <ds:schemaRef ds:uri="http://www.w3.org/XML/1998/namespace"/>
+    <ds:schemaRef ds:uri="http://purl.org/dc/dcmitype/"/>
+    <ds:schemaRef ds:uri="http://purl.org/dc/terms/"/>
+  </ds:schemaRefs>
+</ds:datastoreItem>
 </file>